--- a/Predicting Diabetes.pptx
+++ b/Predicting Diabetes.pptx
@@ -21,7 +21,8 @@
     <p:sldId id="268" r:id="rId15"/>
     <p:sldId id="269" r:id="rId16"/>
     <p:sldId id="271" r:id="rId17"/>
-    <p:sldId id="272" r:id="rId18"/>
+    <p:sldId id="274" r:id="rId18"/>
+    <p:sldId id="272" r:id="rId19"/>
   </p:sldIdLst>
   <p:sldSz cx="12192000" cy="6858000"/>
   <p:notesSz cx="6858000" cy="9144000"/>
@@ -150,6 +151,11 @@
       </a:defRPr>
     </a:lvl9pPr>
   </p:defaultTextStyle>
+  <p:extLst>
+    <p:ext uri="{EFAFB233-063F-42B5-8137-9DF3F51BA10A}">
+      <p15:sldGuideLst xmlns:p15="http://schemas.microsoft.com/office/powerpoint/2012/main"/>
+    </p:ext>
+  </p:extLst>
 </p:presentation>
 </file>
 
@@ -294,7 +300,7 @@
           <a:p>
             <a:fld id="{D4DB7AF4-052F-4063-90EF-4E8D64C4B68C}" type="datetimeFigureOut">
               <a:rPr lang="en-US" smtClean="0"/>
-              <a:t>6/23/2021</a:t>
+              <a:t>7/15/2021</a:t>
             </a:fld>
             <a:endParaRPr lang="en-US"/>
           </a:p>
@@ -498,7 +504,7 @@
           <a:p>
             <a:fld id="{D4DB7AF4-052F-4063-90EF-4E8D64C4B68C}" type="datetimeFigureOut">
               <a:rPr lang="en-US" smtClean="0"/>
-              <a:t>6/23/2021</a:t>
+              <a:t>7/15/2021</a:t>
             </a:fld>
             <a:endParaRPr lang="en-US"/>
           </a:p>
@@ -712,7 +718,7 @@
           <a:p>
             <a:fld id="{D4DB7AF4-052F-4063-90EF-4E8D64C4B68C}" type="datetimeFigureOut">
               <a:rPr lang="en-US" smtClean="0"/>
-              <a:t>6/23/2021</a:t>
+              <a:t>7/15/2021</a:t>
             </a:fld>
             <a:endParaRPr lang="en-US"/>
           </a:p>
@@ -916,7 +922,7 @@
           <a:p>
             <a:fld id="{D4DB7AF4-052F-4063-90EF-4E8D64C4B68C}" type="datetimeFigureOut">
               <a:rPr lang="en-US" smtClean="0"/>
-              <a:t>6/23/2021</a:t>
+              <a:t>7/15/2021</a:t>
             </a:fld>
             <a:endParaRPr lang="en-US"/>
           </a:p>
@@ -1143,7 +1149,7 @@
           <a:p>
             <a:fld id="{D4DB7AF4-052F-4063-90EF-4E8D64C4B68C}" type="datetimeFigureOut">
               <a:rPr lang="en-US" smtClean="0"/>
-              <a:t>6/23/2021</a:t>
+              <a:t>7/15/2021</a:t>
             </a:fld>
             <a:endParaRPr lang="en-US"/>
           </a:p>
@@ -1408,7 +1414,7 @@
           <a:p>
             <a:fld id="{D4DB7AF4-052F-4063-90EF-4E8D64C4B68C}" type="datetimeFigureOut">
               <a:rPr lang="en-US" smtClean="0"/>
-              <a:t>6/23/2021</a:t>
+              <a:t>7/15/2021</a:t>
             </a:fld>
             <a:endParaRPr lang="en-US"/>
           </a:p>
@@ -1808,7 +1814,7 @@
           <a:p>
             <a:fld id="{D4DB7AF4-052F-4063-90EF-4E8D64C4B68C}" type="datetimeFigureOut">
               <a:rPr lang="en-US" smtClean="0"/>
-              <a:t>6/23/2021</a:t>
+              <a:t>7/15/2021</a:t>
             </a:fld>
             <a:endParaRPr lang="en-US"/>
           </a:p>
@@ -1961,7 +1967,7 @@
           <a:p>
             <a:fld id="{D4DB7AF4-052F-4063-90EF-4E8D64C4B68C}" type="datetimeFigureOut">
               <a:rPr lang="en-US" smtClean="0"/>
-              <a:t>6/23/2021</a:t>
+              <a:t>7/15/2021</a:t>
             </a:fld>
             <a:endParaRPr lang="en-US"/>
           </a:p>
@@ -2092,7 +2098,7 @@
           <a:p>
             <a:fld id="{D4DB7AF4-052F-4063-90EF-4E8D64C4B68C}" type="datetimeFigureOut">
               <a:rPr lang="en-US" smtClean="0"/>
-              <a:t>6/23/2021</a:t>
+              <a:t>7/15/2021</a:t>
             </a:fld>
             <a:endParaRPr lang="en-US"/>
           </a:p>
@@ -2403,7 +2409,7 @@
           <a:p>
             <a:fld id="{D4DB7AF4-052F-4063-90EF-4E8D64C4B68C}" type="datetimeFigureOut">
               <a:rPr lang="en-US" smtClean="0"/>
-              <a:t>6/23/2021</a:t>
+              <a:t>7/15/2021</a:t>
             </a:fld>
             <a:endParaRPr lang="en-US"/>
           </a:p>
@@ -2695,7 +2701,7 @@
           <a:p>
             <a:fld id="{D4DB7AF4-052F-4063-90EF-4E8D64C4B68C}" type="datetimeFigureOut">
               <a:rPr lang="en-US" smtClean="0"/>
-              <a:t>6/23/2021</a:t>
+              <a:t>7/15/2021</a:t>
             </a:fld>
             <a:endParaRPr lang="en-US"/>
           </a:p>
@@ -3029,7 +3035,7 @@
           <a:p>
             <a:fld id="{D4DB7AF4-052F-4063-90EF-4E8D64C4B68C}" type="datetimeFigureOut">
               <a:rPr lang="en-US" smtClean="0"/>
-              <a:t>6/23/2021</a:t>
+              <a:t>7/15/2021</a:t>
             </a:fld>
             <a:endParaRPr lang="en-US"/>
           </a:p>
@@ -4658,6 +4664,168 @@
                   <a:schemeClr val="bg1"/>
                 </a:solidFill>
               </a:rPr>
+              <a:t>Learning Outcomes</a:t>
+            </a:r>
+            <a:endParaRPr lang="en-US" dirty="0"/>
+          </a:p>
+        </p:txBody>
+      </p:sp>
+      <p:sp>
+        <p:nvSpPr>
+          <p:cNvPr id="3" name="Content Placeholder 2">
+            <a:extLst>
+              <a:ext uri="{FF2B5EF4-FFF2-40B4-BE49-F238E27FC236}">
+                <a16:creationId xmlns:a16="http://schemas.microsoft.com/office/drawing/2014/main" id="{859190B2-8BE4-4E8A-8AB7-8D9A476AAAD4}"/>
+              </a:ext>
+            </a:extLst>
+          </p:cNvPr>
+          <p:cNvSpPr>
+            <a:spLocks noGrp="1"/>
+          </p:cNvSpPr>
+          <p:nvPr>
+            <p:ph idx="1"/>
+          </p:nvPr>
+        </p:nvSpPr>
+        <p:spPr/>
+        <p:txBody>
+          <a:bodyPr/>
+          <a:lstStyle/>
+          <a:p>
+            <a:r>
+              <a:rPr lang="en-US" dirty="0">
+                <a:solidFill>
+                  <a:schemeClr val="bg1"/>
+                </a:solidFill>
+              </a:rPr>
+              <a:t>More complex models =/= better models</a:t>
+            </a:r>
+          </a:p>
+          <a:p>
+            <a:r>
+              <a:rPr lang="en-US" dirty="0">
+                <a:solidFill>
+                  <a:schemeClr val="bg1"/>
+                </a:solidFill>
+              </a:rPr>
+              <a:t>Garbage in, garbage out</a:t>
+            </a:r>
+          </a:p>
+          <a:p>
+            <a:r>
+              <a:rPr lang="en-US" dirty="0">
+                <a:solidFill>
+                  <a:schemeClr val="bg1"/>
+                </a:solidFill>
+              </a:rPr>
+              <a:t>A rough schedule would help</a:t>
+            </a:r>
+          </a:p>
+          <a:p>
+            <a:r>
+              <a:rPr lang="en-US" dirty="0">
+                <a:solidFill>
+                  <a:schemeClr val="bg1"/>
+                </a:solidFill>
+              </a:rPr>
+              <a:t>***Always double-check your confusion matrix</a:t>
+            </a:r>
+          </a:p>
+          <a:p>
+            <a:r>
+              <a:rPr lang="en-US" dirty="0">
+                <a:solidFill>
+                  <a:schemeClr val="bg1"/>
+                </a:solidFill>
+              </a:rPr>
+              <a:t>***Always double-check </a:t>
+            </a:r>
+            <a:r>
+              <a:rPr lang="en-US">
+                <a:solidFill>
+                  <a:schemeClr val="bg1"/>
+                </a:solidFill>
+              </a:rPr>
+              <a:t>your definitions</a:t>
+            </a:r>
+            <a:endParaRPr lang="en-US" dirty="0">
+              <a:solidFill>
+                <a:schemeClr val="bg1"/>
+              </a:solidFill>
+            </a:endParaRPr>
+          </a:p>
+        </p:txBody>
+      </p:sp>
+    </p:spTree>
+    <p:extLst>
+      <p:ext uri="{BB962C8B-B14F-4D97-AF65-F5344CB8AC3E}">
+        <p14:creationId xmlns:p14="http://schemas.microsoft.com/office/powerpoint/2010/main" val="22942534"/>
+      </p:ext>
+    </p:extLst>
+  </p:cSld>
+  <p:clrMapOvr>
+    <a:masterClrMapping/>
+  </p:clrMapOvr>
+</p:sld>
+</file>
+
+<file path=ppt/slides/slide18.xml><?xml version="1.0" encoding="utf-8"?>
+<p:sld xmlns:a="http://schemas.openxmlformats.org/drawingml/2006/main" xmlns:r="http://schemas.openxmlformats.org/officeDocument/2006/relationships" xmlns:p="http://schemas.openxmlformats.org/presentationml/2006/main">
+  <p:cSld>
+    <p:bg>
+      <p:bgPr>
+        <a:blipFill dpi="0" rotWithShape="0">
+          <a:blip r:embed="rId2">
+            <a:lum/>
+          </a:blip>
+          <a:srcRect/>
+          <a:stretch>
+            <a:fillRect t="-17000" b="-17000"/>
+          </a:stretch>
+        </a:blipFill>
+        <a:effectLst/>
+      </p:bgPr>
+    </p:bg>
+    <p:spTree>
+      <p:nvGrpSpPr>
+        <p:cNvPr id="1" name=""/>
+        <p:cNvGrpSpPr/>
+        <p:nvPr/>
+      </p:nvGrpSpPr>
+      <p:grpSpPr>
+        <a:xfrm>
+          <a:off x="0" y="0"/>
+          <a:ext cx="0" cy="0"/>
+          <a:chOff x="0" y="0"/>
+          <a:chExt cx="0" cy="0"/>
+        </a:xfrm>
+      </p:grpSpPr>
+      <p:sp>
+        <p:nvSpPr>
+          <p:cNvPr id="2" name="Title 1">
+            <a:extLst>
+              <a:ext uri="{FF2B5EF4-FFF2-40B4-BE49-F238E27FC236}">
+                <a16:creationId xmlns:a16="http://schemas.microsoft.com/office/drawing/2014/main" id="{099F2DF3-CFFA-4392-839D-318234BED7A2}"/>
+              </a:ext>
+            </a:extLst>
+          </p:cNvPr>
+          <p:cNvSpPr>
+            <a:spLocks noGrp="1"/>
+          </p:cNvSpPr>
+          <p:nvPr>
+            <p:ph type="title"/>
+          </p:nvPr>
+        </p:nvSpPr>
+        <p:spPr/>
+        <p:txBody>
+          <a:bodyPr/>
+          <a:lstStyle/>
+          <a:p>
+            <a:r>
+              <a:rPr lang="en-US" dirty="0">
+                <a:solidFill>
+                  <a:schemeClr val="bg1"/>
+                </a:solidFill>
+              </a:rPr>
               <a:t>Thank you!</a:t>
             </a:r>
           </a:p>
@@ -4811,7 +4979,7 @@
                   <a:schemeClr val="bg1"/>
                 </a:solidFill>
               </a:rPr>
-              <a:t>Accuracy or Precision?</a:t>
+              <a:t>Accuracy or ***Recall?</a:t>
             </a:r>
           </a:p>
           <a:p>
@@ -4981,7 +5149,7 @@
                   <a:schemeClr val="bg1"/>
                 </a:solidFill>
               </a:rPr>
-              <a:t>Best accuracy and precision</a:t>
+              <a:t>Best accuracy and ***recall</a:t>
             </a:r>
           </a:p>
           <a:p>
@@ -5206,7 +5374,7 @@
                   <a:schemeClr val="bg1"/>
                 </a:solidFill>
               </a:rPr>
-              <a:t>Accuracy vs Precision</a:t>
+              <a:t>Accuracy vs ***Recall</a:t>
             </a:r>
           </a:p>
         </p:txBody>
@@ -5589,7 +5757,7 @@
                   <a:schemeClr val="bg1"/>
                 </a:solidFill>
               </a:rPr>
-              <a:t>Precision</a:t>
+              <a:t>***Recall</a:t>
             </a:r>
           </a:p>
         </p:txBody>
@@ -5762,7 +5930,7 @@
                   <a:schemeClr val="bg1"/>
                 </a:solidFill>
               </a:rPr>
-              <a:t>Why Precision?</a:t>
+              <a:t>Why ***Recall?</a:t>
             </a:r>
           </a:p>
         </p:txBody>
@@ -5897,7 +6065,7 @@
                   <a:schemeClr val="bg1"/>
                 </a:solidFill>
               </a:rPr>
-              <a:t>Why Precision?</a:t>
+              <a:t>Why ***Recall?</a:t>
             </a:r>
           </a:p>
         </p:txBody>
